--- a/Azure Cognitive Services.pptx
+++ b/Azure Cognitive Services.pptx
@@ -9,8 +9,8 @@
   </p:notesMasterIdLst>
   <p:sldIdLst>
     <p:sldId id="256" r:id="rId2"/>
-    <p:sldId id="257" r:id="rId3"/>
-    <p:sldId id="258" r:id="rId4"/>
+    <p:sldId id="258" r:id="rId3"/>
+    <p:sldId id="276" r:id="rId4"/>
     <p:sldId id="259" r:id="rId5"/>
     <p:sldId id="260" r:id="rId6"/>
     <p:sldId id="261" r:id="rId7"/>
@@ -133,9 +133,532 @@
 <p1510:revInfo xmlns:a="http://schemas.openxmlformats.org/drawingml/2006/main" xmlns:r="http://schemas.openxmlformats.org/officeDocument/2006/relationships" xmlns:p1510="http://schemas.microsoft.com/office/powerpoint/2015/10/main">
   <p1510:revLst>
     <p1510:client id="{604462FA-D94B-46B4-BAD5-C188AAB2C01D}" v="144" dt="2019-08-14T08:55:45.135"/>
-    <p1510:client id="{FA3C9951-8B0C-46B5-9821-15AEC5B54416}" v="7" dt="2019-08-11T08:48:56.206"/>
+    <p1510:client id="{1622E814-A98E-4B44-BE48-8667A59EBFDA}" v="20" dt="2019-08-14T09:23:13.117"/>
   </p1510:revLst>
 </p1510:revInfo>
+</file>
+
+<file path=ppt/changesInfos/changesInfo1.xml><?xml version="1.0" encoding="utf-8"?>
+<pc:chgInfo xmlns:a="http://schemas.openxmlformats.org/drawingml/2006/main" xmlns:r="http://schemas.openxmlformats.org/officeDocument/2006/relationships" xmlns:ac="http://schemas.microsoft.com/office/drawing/2013/main/command" xmlns:pc="http://schemas.microsoft.com/office/powerpoint/2013/main/command">
+  <pc:docChgLst>
+    <pc:chgData name="Mike Howell" userId="91cad074b2afae1a" providerId="LiveId" clId="{1622E814-A98E-4B44-BE48-8667A59EBFDA}"/>
+    <pc:docChg chg="addSld delSld modSld modMainMaster">
+      <pc:chgData name="Mike Howell" userId="91cad074b2afae1a" providerId="LiveId" clId="{1622E814-A98E-4B44-BE48-8667A59EBFDA}" dt="2019-08-14T09:23:13.117" v="37"/>
+      <pc:docMkLst>
+        <pc:docMk/>
+      </pc:docMkLst>
+      <pc:sldChg chg="setBg">
+        <pc:chgData name="Mike Howell" userId="91cad074b2afae1a" providerId="LiveId" clId="{1622E814-A98E-4B44-BE48-8667A59EBFDA}" dt="2019-08-14T09:11:34.891" v="0"/>
+        <pc:sldMkLst>
+          <pc:docMk/>
+          <pc:sldMk cId="2129415654" sldId="256"/>
+        </pc:sldMkLst>
+      </pc:sldChg>
+      <pc:sldChg chg="addSp delSp modSp del setBg delDesignElem">
+        <pc:chgData name="Mike Howell" userId="91cad074b2afae1a" providerId="LiveId" clId="{1622E814-A98E-4B44-BE48-8667A59EBFDA}" dt="2019-08-14T09:14:28.492" v="5" actId="2696"/>
+        <pc:sldMkLst>
+          <pc:docMk/>
+          <pc:sldMk cId="2964537692" sldId="257"/>
+        </pc:sldMkLst>
+        <pc:spChg chg="add del mod">
+          <ac:chgData name="Mike Howell" userId="91cad074b2afae1a" providerId="LiveId" clId="{1622E814-A98E-4B44-BE48-8667A59EBFDA}" dt="2019-08-14T09:13:51.099" v="3"/>
+          <ac:spMkLst>
+            <pc:docMk/>
+            <pc:sldMk cId="2964537692" sldId="257"/>
+            <ac:spMk id="3" creationId="{9AD27780-2AA3-4E22-8CA5-418B0B3B47F2}"/>
+          </ac:spMkLst>
+        </pc:spChg>
+        <pc:spChg chg="add del mod">
+          <ac:chgData name="Mike Howell" userId="91cad074b2afae1a" providerId="LiveId" clId="{1622E814-A98E-4B44-BE48-8667A59EBFDA}" dt="2019-08-14T09:13:51.099" v="3"/>
+          <ac:spMkLst>
+            <pc:docMk/>
+            <pc:sldMk cId="2964537692" sldId="257"/>
+            <ac:spMk id="4" creationId="{2C065AEC-D87A-47E2-A8E8-96BD52583373}"/>
+          </ac:spMkLst>
+        </pc:spChg>
+        <pc:spChg chg="add del">
+          <ac:chgData name="Mike Howell" userId="91cad074b2afae1a" providerId="LiveId" clId="{1622E814-A98E-4B44-BE48-8667A59EBFDA}" dt="2019-08-14T09:13:51.099" v="3"/>
+          <ac:spMkLst>
+            <pc:docMk/>
+            <pc:sldMk cId="2964537692" sldId="257"/>
+            <ac:spMk id="55" creationId="{27577DEC-D9A5-404D-9789-702F4319BEC8}"/>
+          </ac:spMkLst>
+        </pc:spChg>
+        <pc:grpChg chg="add del">
+          <ac:chgData name="Mike Howell" userId="91cad074b2afae1a" providerId="LiveId" clId="{1622E814-A98E-4B44-BE48-8667A59EBFDA}" dt="2019-08-14T09:13:51.099" v="3"/>
+          <ac:grpSpMkLst>
+            <pc:docMk/>
+            <pc:sldMk cId="2964537692" sldId="257"/>
+            <ac:grpSpMk id="43" creationId="{76582886-877C-4AEC-A77F-8055EB9A0CF9}"/>
+          </ac:grpSpMkLst>
+        </pc:grpChg>
+        <pc:grpChg chg="add del">
+          <ac:chgData name="Mike Howell" userId="91cad074b2afae1a" providerId="LiveId" clId="{1622E814-A98E-4B44-BE48-8667A59EBFDA}" dt="2019-08-14T09:13:51.099" v="3"/>
+          <ac:grpSpMkLst>
+            <pc:docMk/>
+            <pc:sldMk cId="2964537692" sldId="257"/>
+            <ac:grpSpMk id="57" creationId="{CEEA9366-CEA8-4F23-B065-4337F0D836FE}"/>
+          </ac:grpSpMkLst>
+        </pc:grpChg>
+      </pc:sldChg>
+      <pc:sldChg chg="delSp modTransition setBg">
+        <pc:chgData name="Mike Howell" userId="91cad074b2afae1a" providerId="LiveId" clId="{1622E814-A98E-4B44-BE48-8667A59EBFDA}" dt="2019-08-14T09:22:48.018" v="28"/>
+        <pc:sldMkLst>
+          <pc:docMk/>
+          <pc:sldMk cId="2174372669" sldId="258"/>
+        </pc:sldMkLst>
+        <pc:spChg chg="del">
+          <ac:chgData name="Mike Howell" userId="91cad074b2afae1a" providerId="LiveId" clId="{1622E814-A98E-4B44-BE48-8667A59EBFDA}" dt="2019-08-14T09:14:43.058" v="6"/>
+          <ac:spMkLst>
+            <pc:docMk/>
+            <pc:sldMk cId="2174372669" sldId="258"/>
+            <ac:spMk id="4" creationId="{EABE866D-469D-48DF-BA20-9B245ACFA7D2}"/>
+          </ac:spMkLst>
+        </pc:spChg>
+      </pc:sldChg>
+      <pc:sldChg chg="modSp modTransition setBg">
+        <pc:chgData name="Mike Howell" userId="91cad074b2afae1a" providerId="LiveId" clId="{1622E814-A98E-4B44-BE48-8667A59EBFDA}" dt="2019-08-14T09:22:56.159" v="30"/>
+        <pc:sldMkLst>
+          <pc:docMk/>
+          <pc:sldMk cId="3342374027" sldId="259"/>
+        </pc:sldMkLst>
+        <pc:spChg chg="mod">
+          <ac:chgData name="Mike Howell" userId="91cad074b2afae1a" providerId="LiveId" clId="{1622E814-A98E-4B44-BE48-8667A59EBFDA}" dt="2019-08-14T09:15:50.437" v="11" actId="14100"/>
+          <ac:spMkLst>
+            <pc:docMk/>
+            <pc:sldMk cId="3342374027" sldId="259"/>
+            <ac:spMk id="3" creationId="{86EFA0CA-5146-49C1-9C23-806FD8D915B1}"/>
+          </ac:spMkLst>
+        </pc:spChg>
+      </pc:sldChg>
+      <pc:sldChg chg="modSp modTransition setBg">
+        <pc:chgData name="Mike Howell" userId="91cad074b2afae1a" providerId="LiveId" clId="{1622E814-A98E-4B44-BE48-8667A59EBFDA}" dt="2019-08-14T09:22:59.176" v="31"/>
+        <pc:sldMkLst>
+          <pc:docMk/>
+          <pc:sldMk cId="1064515966" sldId="260"/>
+        </pc:sldMkLst>
+        <pc:spChg chg="mod">
+          <ac:chgData name="Mike Howell" userId="91cad074b2afae1a" providerId="LiveId" clId="{1622E814-A98E-4B44-BE48-8667A59EBFDA}" dt="2019-08-14T09:16:15.466" v="12" actId="1076"/>
+          <ac:spMkLst>
+            <pc:docMk/>
+            <pc:sldMk cId="1064515966" sldId="260"/>
+            <ac:spMk id="3" creationId="{86EFA0CA-5146-49C1-9C23-806FD8D915B1}"/>
+          </ac:spMkLst>
+        </pc:spChg>
+      </pc:sldChg>
+      <pc:sldChg chg="modSp modTransition setBg">
+        <pc:chgData name="Mike Howell" userId="91cad074b2afae1a" providerId="LiveId" clId="{1622E814-A98E-4B44-BE48-8667A59EBFDA}" dt="2019-08-14T09:23:01.162" v="32"/>
+        <pc:sldMkLst>
+          <pc:docMk/>
+          <pc:sldMk cId="2577474333" sldId="261"/>
+        </pc:sldMkLst>
+        <pc:spChg chg="mod">
+          <ac:chgData name="Mike Howell" userId="91cad074b2afae1a" providerId="LiveId" clId="{1622E814-A98E-4B44-BE48-8667A59EBFDA}" dt="2019-08-14T09:18:18.876" v="14" actId="14100"/>
+          <ac:spMkLst>
+            <pc:docMk/>
+            <pc:sldMk cId="2577474333" sldId="261"/>
+            <ac:spMk id="3" creationId="{86EFA0CA-5146-49C1-9C23-806FD8D915B1}"/>
+          </ac:spMkLst>
+        </pc:spChg>
+      </pc:sldChg>
+      <pc:sldChg chg="modSp modTransition setBg">
+        <pc:chgData name="Mike Howell" userId="91cad074b2afae1a" providerId="LiveId" clId="{1622E814-A98E-4B44-BE48-8667A59EBFDA}" dt="2019-08-14T09:23:03.356" v="33"/>
+        <pc:sldMkLst>
+          <pc:docMk/>
+          <pc:sldMk cId="2575522002" sldId="262"/>
+        </pc:sldMkLst>
+        <pc:spChg chg="mod">
+          <ac:chgData name="Mike Howell" userId="91cad074b2afae1a" providerId="LiveId" clId="{1622E814-A98E-4B44-BE48-8667A59EBFDA}" dt="2019-08-14T09:18:29.146" v="16" actId="14100"/>
+          <ac:spMkLst>
+            <pc:docMk/>
+            <pc:sldMk cId="2575522002" sldId="262"/>
+            <ac:spMk id="3" creationId="{86EFA0CA-5146-49C1-9C23-806FD8D915B1}"/>
+          </ac:spMkLst>
+        </pc:spChg>
+      </pc:sldChg>
+      <pc:sldChg chg="modSp modTransition setBg">
+        <pc:chgData name="Mike Howell" userId="91cad074b2afae1a" providerId="LiveId" clId="{1622E814-A98E-4B44-BE48-8667A59EBFDA}" dt="2019-08-14T09:23:05.508" v="34"/>
+        <pc:sldMkLst>
+          <pc:docMk/>
+          <pc:sldMk cId="3146135793" sldId="263"/>
+        </pc:sldMkLst>
+        <pc:spChg chg="mod">
+          <ac:chgData name="Mike Howell" userId="91cad074b2afae1a" providerId="LiveId" clId="{1622E814-A98E-4B44-BE48-8667A59EBFDA}" dt="2019-08-14T09:18:41.809" v="18" actId="14100"/>
+          <ac:spMkLst>
+            <pc:docMk/>
+            <pc:sldMk cId="3146135793" sldId="263"/>
+            <ac:spMk id="3" creationId="{86EFA0CA-5146-49C1-9C23-806FD8D915B1}"/>
+          </ac:spMkLst>
+        </pc:spChg>
+      </pc:sldChg>
+      <pc:sldChg chg="modTransition setBg">
+        <pc:chgData name="Mike Howell" userId="91cad074b2afae1a" providerId="LiveId" clId="{1622E814-A98E-4B44-BE48-8667A59EBFDA}" dt="2019-08-14T09:23:08.043" v="35"/>
+        <pc:sldMkLst>
+          <pc:docMk/>
+          <pc:sldMk cId="3797124117" sldId="264"/>
+        </pc:sldMkLst>
+      </pc:sldChg>
+      <pc:sldChg chg="modTransition setBg">
+        <pc:chgData name="Mike Howell" userId="91cad074b2afae1a" providerId="LiveId" clId="{1622E814-A98E-4B44-BE48-8667A59EBFDA}" dt="2019-08-14T09:23:10.895" v="36"/>
+        <pc:sldMkLst>
+          <pc:docMk/>
+          <pc:sldMk cId="3958795938" sldId="265"/>
+        </pc:sldMkLst>
+      </pc:sldChg>
+      <pc:sldChg chg="modTransition setBg">
+        <pc:chgData name="Mike Howell" userId="91cad074b2afae1a" providerId="LiveId" clId="{1622E814-A98E-4B44-BE48-8667A59EBFDA}" dt="2019-08-14T09:22:20.743" v="24"/>
+        <pc:sldMkLst>
+          <pc:docMk/>
+          <pc:sldMk cId="3202219296" sldId="268"/>
+        </pc:sldMkLst>
+      </pc:sldChg>
+      <pc:sldChg chg="modTransition setBg">
+        <pc:chgData name="Mike Howell" userId="91cad074b2afae1a" providerId="LiveId" clId="{1622E814-A98E-4B44-BE48-8667A59EBFDA}" dt="2019-08-14T09:22:27.630" v="25"/>
+        <pc:sldMkLst>
+          <pc:docMk/>
+          <pc:sldMk cId="448718450" sldId="272"/>
+        </pc:sldMkLst>
+      </pc:sldChg>
+      <pc:sldChg chg="modTransition setBg">
+        <pc:chgData name="Mike Howell" userId="91cad074b2afae1a" providerId="LiveId" clId="{1622E814-A98E-4B44-BE48-8667A59EBFDA}" dt="2019-08-14T09:22:32.326" v="26"/>
+        <pc:sldMkLst>
+          <pc:docMk/>
+          <pc:sldMk cId="3237972494" sldId="273"/>
+        </pc:sldMkLst>
+      </pc:sldChg>
+      <pc:sldChg chg="modSp modTransition setBg">
+        <pc:chgData name="Mike Howell" userId="91cad074b2afae1a" providerId="LiveId" clId="{1622E814-A98E-4B44-BE48-8667A59EBFDA}" dt="2019-08-14T09:22:35.959" v="27"/>
+        <pc:sldMkLst>
+          <pc:docMk/>
+          <pc:sldMk cId="1379101893" sldId="274"/>
+        </pc:sldMkLst>
+        <pc:spChg chg="mod">
+          <ac:chgData name="Mike Howell" userId="91cad074b2afae1a" providerId="LiveId" clId="{1622E814-A98E-4B44-BE48-8667A59EBFDA}" dt="2019-08-14T09:19:44.117" v="23"/>
+          <ac:spMkLst>
+            <pc:docMk/>
+            <pc:sldMk cId="1379101893" sldId="274"/>
+            <ac:spMk id="2" creationId="{C3B72A35-170F-4DDA-A4AB-DB941943970C}"/>
+          </ac:spMkLst>
+        </pc:spChg>
+      </pc:sldChg>
+      <pc:sldChg chg="modSp modTransition setBg">
+        <pc:chgData name="Mike Howell" userId="91cad074b2afae1a" providerId="LiveId" clId="{1622E814-A98E-4B44-BE48-8667A59EBFDA}" dt="2019-08-14T09:23:13.117" v="37"/>
+        <pc:sldMkLst>
+          <pc:docMk/>
+          <pc:sldMk cId="1062968996" sldId="275"/>
+        </pc:sldMkLst>
+        <pc:spChg chg="mod">
+          <ac:chgData name="Mike Howell" userId="91cad074b2afae1a" providerId="LiveId" clId="{1622E814-A98E-4B44-BE48-8667A59EBFDA}" dt="2019-08-14T09:19:12.515" v="20" actId="14100"/>
+          <ac:spMkLst>
+            <pc:docMk/>
+            <pc:sldMk cId="1062968996" sldId="275"/>
+            <ac:spMk id="3" creationId="{86EFA0CA-5146-49C1-9C23-806FD8D915B1}"/>
+          </ac:spMkLst>
+        </pc:spChg>
+      </pc:sldChg>
+      <pc:sldChg chg="add modTransition">
+        <pc:chgData name="Mike Howell" userId="91cad074b2afae1a" providerId="LiveId" clId="{1622E814-A98E-4B44-BE48-8667A59EBFDA}" dt="2019-08-14T09:22:52.809" v="29"/>
+        <pc:sldMkLst>
+          <pc:docMk/>
+          <pc:sldMk cId="1432795989" sldId="276"/>
+        </pc:sldMkLst>
+      </pc:sldChg>
+      <pc:sldMasterChg chg="setBg modSldLayout">
+        <pc:chgData name="Mike Howell" userId="91cad074b2afae1a" providerId="LiveId" clId="{1622E814-A98E-4B44-BE48-8667A59EBFDA}" dt="2019-08-14T09:11:34.891" v="0"/>
+        <pc:sldMasterMkLst>
+          <pc:docMk/>
+          <pc:sldMasterMk cId="1498620283" sldId="2147483788"/>
+        </pc:sldMasterMkLst>
+        <pc:sldLayoutChg chg="setBg">
+          <pc:chgData name="Mike Howell" userId="91cad074b2afae1a" providerId="LiveId" clId="{1622E814-A98E-4B44-BE48-8667A59EBFDA}" dt="2019-08-14T09:11:34.891" v="0"/>
+          <pc:sldLayoutMkLst>
+            <pc:docMk/>
+            <pc:sldMasterMk cId="1498620283" sldId="2147483788"/>
+            <pc:sldLayoutMk cId="2319302875" sldId="2147483789"/>
+          </pc:sldLayoutMkLst>
+        </pc:sldLayoutChg>
+        <pc:sldLayoutChg chg="setBg">
+          <pc:chgData name="Mike Howell" userId="91cad074b2afae1a" providerId="LiveId" clId="{1622E814-A98E-4B44-BE48-8667A59EBFDA}" dt="2019-08-14T09:11:34.891" v="0"/>
+          <pc:sldLayoutMkLst>
+            <pc:docMk/>
+            <pc:sldMasterMk cId="1498620283" sldId="2147483788"/>
+            <pc:sldLayoutMk cId="3755787155" sldId="2147483790"/>
+          </pc:sldLayoutMkLst>
+        </pc:sldLayoutChg>
+        <pc:sldLayoutChg chg="setBg">
+          <pc:chgData name="Mike Howell" userId="91cad074b2afae1a" providerId="LiveId" clId="{1622E814-A98E-4B44-BE48-8667A59EBFDA}" dt="2019-08-14T09:11:34.891" v="0"/>
+          <pc:sldLayoutMkLst>
+            <pc:docMk/>
+            <pc:sldMasterMk cId="1498620283" sldId="2147483788"/>
+            <pc:sldLayoutMk cId="1808162936" sldId="2147483791"/>
+          </pc:sldLayoutMkLst>
+        </pc:sldLayoutChg>
+        <pc:sldLayoutChg chg="setBg">
+          <pc:chgData name="Mike Howell" userId="91cad074b2afae1a" providerId="LiveId" clId="{1622E814-A98E-4B44-BE48-8667A59EBFDA}" dt="2019-08-14T09:11:34.891" v="0"/>
+          <pc:sldLayoutMkLst>
+            <pc:docMk/>
+            <pc:sldMasterMk cId="1498620283" sldId="2147483788"/>
+            <pc:sldLayoutMk cId="3784167310" sldId="2147483792"/>
+          </pc:sldLayoutMkLst>
+        </pc:sldLayoutChg>
+        <pc:sldLayoutChg chg="setBg">
+          <pc:chgData name="Mike Howell" userId="91cad074b2afae1a" providerId="LiveId" clId="{1622E814-A98E-4B44-BE48-8667A59EBFDA}" dt="2019-08-14T09:11:34.891" v="0"/>
+          <pc:sldLayoutMkLst>
+            <pc:docMk/>
+            <pc:sldMasterMk cId="1498620283" sldId="2147483788"/>
+            <pc:sldLayoutMk cId="4115388537" sldId="2147483793"/>
+          </pc:sldLayoutMkLst>
+        </pc:sldLayoutChg>
+        <pc:sldLayoutChg chg="setBg">
+          <pc:chgData name="Mike Howell" userId="91cad074b2afae1a" providerId="LiveId" clId="{1622E814-A98E-4B44-BE48-8667A59EBFDA}" dt="2019-08-14T09:11:34.891" v="0"/>
+          <pc:sldLayoutMkLst>
+            <pc:docMk/>
+            <pc:sldMasterMk cId="1498620283" sldId="2147483788"/>
+            <pc:sldLayoutMk cId="3570211961" sldId="2147483794"/>
+          </pc:sldLayoutMkLst>
+        </pc:sldLayoutChg>
+        <pc:sldLayoutChg chg="setBg">
+          <pc:chgData name="Mike Howell" userId="91cad074b2afae1a" providerId="LiveId" clId="{1622E814-A98E-4B44-BE48-8667A59EBFDA}" dt="2019-08-14T09:11:34.891" v="0"/>
+          <pc:sldLayoutMkLst>
+            <pc:docMk/>
+            <pc:sldMasterMk cId="1498620283" sldId="2147483788"/>
+            <pc:sldLayoutMk cId="4153451030" sldId="2147483795"/>
+          </pc:sldLayoutMkLst>
+        </pc:sldLayoutChg>
+        <pc:sldLayoutChg chg="setBg">
+          <pc:chgData name="Mike Howell" userId="91cad074b2afae1a" providerId="LiveId" clId="{1622E814-A98E-4B44-BE48-8667A59EBFDA}" dt="2019-08-14T09:11:34.891" v="0"/>
+          <pc:sldLayoutMkLst>
+            <pc:docMk/>
+            <pc:sldMasterMk cId="1498620283" sldId="2147483788"/>
+            <pc:sldLayoutMk cId="4101477925" sldId="2147483796"/>
+          </pc:sldLayoutMkLst>
+        </pc:sldLayoutChg>
+        <pc:sldLayoutChg chg="setBg">
+          <pc:chgData name="Mike Howell" userId="91cad074b2afae1a" providerId="LiveId" clId="{1622E814-A98E-4B44-BE48-8667A59EBFDA}" dt="2019-08-14T09:11:34.891" v="0"/>
+          <pc:sldLayoutMkLst>
+            <pc:docMk/>
+            <pc:sldMasterMk cId="1498620283" sldId="2147483788"/>
+            <pc:sldLayoutMk cId="3819130555" sldId="2147483797"/>
+          </pc:sldLayoutMkLst>
+        </pc:sldLayoutChg>
+        <pc:sldLayoutChg chg="setBg">
+          <pc:chgData name="Mike Howell" userId="91cad074b2afae1a" providerId="LiveId" clId="{1622E814-A98E-4B44-BE48-8667A59EBFDA}" dt="2019-08-14T09:11:34.891" v="0"/>
+          <pc:sldLayoutMkLst>
+            <pc:docMk/>
+            <pc:sldMasterMk cId="1498620283" sldId="2147483788"/>
+            <pc:sldLayoutMk cId="2270814071" sldId="2147483798"/>
+          </pc:sldLayoutMkLst>
+        </pc:sldLayoutChg>
+        <pc:sldLayoutChg chg="setBg">
+          <pc:chgData name="Mike Howell" userId="91cad074b2afae1a" providerId="LiveId" clId="{1622E814-A98E-4B44-BE48-8667A59EBFDA}" dt="2019-08-14T09:11:34.891" v="0"/>
+          <pc:sldLayoutMkLst>
+            <pc:docMk/>
+            <pc:sldMasterMk cId="1498620283" sldId="2147483788"/>
+            <pc:sldLayoutMk cId="2765019760" sldId="2147483799"/>
+          </pc:sldLayoutMkLst>
+        </pc:sldLayoutChg>
+        <pc:sldLayoutChg chg="setBg">
+          <pc:chgData name="Mike Howell" userId="91cad074b2afae1a" providerId="LiveId" clId="{1622E814-A98E-4B44-BE48-8667A59EBFDA}" dt="2019-08-14T09:11:34.891" v="0"/>
+          <pc:sldLayoutMkLst>
+            <pc:docMk/>
+            <pc:sldMasterMk cId="1498620283" sldId="2147483788"/>
+            <pc:sldLayoutMk cId="407734599" sldId="2147483800"/>
+          </pc:sldLayoutMkLst>
+        </pc:sldLayoutChg>
+        <pc:sldLayoutChg chg="setBg">
+          <pc:chgData name="Mike Howell" userId="91cad074b2afae1a" providerId="LiveId" clId="{1622E814-A98E-4B44-BE48-8667A59EBFDA}" dt="2019-08-14T09:11:34.891" v="0"/>
+          <pc:sldLayoutMkLst>
+            <pc:docMk/>
+            <pc:sldMasterMk cId="1498620283" sldId="2147483788"/>
+            <pc:sldLayoutMk cId="1698997194" sldId="2147483801"/>
+          </pc:sldLayoutMkLst>
+        </pc:sldLayoutChg>
+        <pc:sldLayoutChg chg="setBg">
+          <pc:chgData name="Mike Howell" userId="91cad074b2afae1a" providerId="LiveId" clId="{1622E814-A98E-4B44-BE48-8667A59EBFDA}" dt="2019-08-14T09:11:34.891" v="0"/>
+          <pc:sldLayoutMkLst>
+            <pc:docMk/>
+            <pc:sldMasterMk cId="1498620283" sldId="2147483788"/>
+            <pc:sldLayoutMk cId="3509176716" sldId="2147483802"/>
+          </pc:sldLayoutMkLst>
+        </pc:sldLayoutChg>
+        <pc:sldLayoutChg chg="setBg">
+          <pc:chgData name="Mike Howell" userId="91cad074b2afae1a" providerId="LiveId" clId="{1622E814-A98E-4B44-BE48-8667A59EBFDA}" dt="2019-08-14T09:11:34.891" v="0"/>
+          <pc:sldLayoutMkLst>
+            <pc:docMk/>
+            <pc:sldMasterMk cId="1498620283" sldId="2147483788"/>
+            <pc:sldLayoutMk cId="2347485485" sldId="2147483803"/>
+          </pc:sldLayoutMkLst>
+        </pc:sldLayoutChg>
+        <pc:sldLayoutChg chg="setBg">
+          <pc:chgData name="Mike Howell" userId="91cad074b2afae1a" providerId="LiveId" clId="{1622E814-A98E-4B44-BE48-8667A59EBFDA}" dt="2019-08-14T09:11:34.891" v="0"/>
+          <pc:sldLayoutMkLst>
+            <pc:docMk/>
+            <pc:sldMasterMk cId="1498620283" sldId="2147483788"/>
+            <pc:sldLayoutMk cId="1194368911" sldId="2147483804"/>
+          </pc:sldLayoutMkLst>
+        </pc:sldLayoutChg>
+      </pc:sldMasterChg>
+    </pc:docChg>
+  </pc:docChgLst>
+  <pc:docChgLst>
+    <pc:chgData name="Mike Howell" userId="91cad074b2afae1a" providerId="Windows Live" clId="Web-{3233672A-3C22-4931-B31A-E6BEDB37CFE7}"/>
+    <pc:docChg chg="modSld">
+      <pc:chgData name="Mike Howell" userId="91cad074b2afae1a" providerId="Windows Live" clId="Web-{3233672A-3C22-4931-B31A-E6BEDB37CFE7}" dt="2019-08-14T09:09:32.748" v="23"/>
+      <pc:docMkLst>
+        <pc:docMk/>
+      </pc:docMkLst>
+      <pc:sldChg chg="addSp delSp modSp">
+        <pc:chgData name="Mike Howell" userId="91cad074b2afae1a" providerId="Windows Live" clId="Web-{3233672A-3C22-4931-B31A-E6BEDB37CFE7}" dt="2019-08-14T09:09:32.748" v="23"/>
+        <pc:sldMkLst>
+          <pc:docMk/>
+          <pc:sldMk cId="2964537692" sldId="257"/>
+        </pc:sldMkLst>
+        <pc:spChg chg="mod">
+          <ac:chgData name="Mike Howell" userId="91cad074b2afae1a" providerId="Windows Live" clId="Web-{3233672A-3C22-4931-B31A-E6BEDB37CFE7}" dt="2019-08-14T09:09:32.748" v="23"/>
+          <ac:spMkLst>
+            <pc:docMk/>
+            <pc:sldMk cId="2964537692" sldId="257"/>
+            <ac:spMk id="2" creationId="{D332C30D-2DC7-4034-B709-BD81F1CCA4C7}"/>
+          </ac:spMkLst>
+        </pc:spChg>
+        <pc:spChg chg="del">
+          <ac:chgData name="Mike Howell" userId="91cad074b2afae1a" providerId="Windows Live" clId="Web-{3233672A-3C22-4931-B31A-E6BEDB37CFE7}" dt="2019-08-14T09:09:32.748" v="23"/>
+          <ac:spMkLst>
+            <pc:docMk/>
+            <pc:sldMk cId="2964537692" sldId="257"/>
+            <ac:spMk id="20" creationId="{9179DE42-5613-4B35-A1E6-6CCBAA13C743}"/>
+          </ac:spMkLst>
+        </pc:spChg>
+        <pc:spChg chg="del">
+          <ac:chgData name="Mike Howell" userId="91cad074b2afae1a" providerId="Windows Live" clId="Web-{3233672A-3C22-4931-B31A-E6BEDB37CFE7}" dt="2019-08-14T09:09:32.748" v="23"/>
+          <ac:spMkLst>
+            <pc:docMk/>
+            <pc:sldMk cId="2964537692" sldId="257"/>
+            <ac:spMk id="26" creationId="{52FB45E9-914E-4471-AC87-E475CD51767D}"/>
+          </ac:spMkLst>
+        </pc:spChg>
+        <pc:spChg chg="del">
+          <ac:chgData name="Mike Howell" userId="91cad074b2afae1a" providerId="Windows Live" clId="Web-{3233672A-3C22-4931-B31A-E6BEDB37CFE7}" dt="2019-08-14T09:09:32.748" v="23"/>
+          <ac:spMkLst>
+            <pc:docMk/>
+            <pc:sldMk cId="2964537692" sldId="257"/>
+            <ac:spMk id="28" creationId="{C310626D-5743-49D4-8F7D-88C4F8F05774}"/>
+          </ac:spMkLst>
+        </pc:spChg>
+        <pc:spChg chg="del">
+          <ac:chgData name="Mike Howell" userId="91cad074b2afae1a" providerId="Windows Live" clId="Web-{3233672A-3C22-4931-B31A-E6BEDB37CFE7}" dt="2019-08-14T09:09:32.748" v="23"/>
+          <ac:spMkLst>
+            <pc:docMk/>
+            <pc:sldMk cId="2964537692" sldId="257"/>
+            <ac:spMk id="30" creationId="{3C195FC1-B568-4C72-9902-34CB35DDD7A1}"/>
+          </ac:spMkLst>
+        </pc:spChg>
+        <pc:spChg chg="del">
+          <ac:chgData name="Mike Howell" userId="91cad074b2afae1a" providerId="Windows Live" clId="Web-{3233672A-3C22-4931-B31A-E6BEDB37CFE7}" dt="2019-08-14T09:09:32.748" v="23"/>
+          <ac:spMkLst>
+            <pc:docMk/>
+            <pc:sldMk cId="2964537692" sldId="257"/>
+            <ac:spMk id="32" creationId="{EF2BDF77-362C-43F0-8CBB-A969EC2AE0C4}"/>
+          </ac:spMkLst>
+        </pc:spChg>
+        <pc:spChg chg="del">
+          <ac:chgData name="Mike Howell" userId="91cad074b2afae1a" providerId="Windows Live" clId="Web-{3233672A-3C22-4931-B31A-E6BEDB37CFE7}" dt="2019-08-14T09:09:32.748" v="23"/>
+          <ac:spMkLst>
+            <pc:docMk/>
+            <pc:sldMk cId="2964537692" sldId="257"/>
+            <ac:spMk id="34" creationId="{4BE96B01-3929-432D-B8C2-ADBCB74C2EF4}"/>
+          </ac:spMkLst>
+        </pc:spChg>
+        <pc:spChg chg="del">
+          <ac:chgData name="Mike Howell" userId="91cad074b2afae1a" providerId="Windows Live" clId="Web-{3233672A-3C22-4931-B31A-E6BEDB37CFE7}" dt="2019-08-14T09:09:32.748" v="23"/>
+          <ac:spMkLst>
+            <pc:docMk/>
+            <pc:sldMk cId="2964537692" sldId="257"/>
+            <ac:spMk id="36" creationId="{2A6FCDE6-CDE2-4C51-B18E-A95CFB679714}"/>
+          </ac:spMkLst>
+        </pc:spChg>
+        <pc:spChg chg="del">
+          <ac:chgData name="Mike Howell" userId="91cad074b2afae1a" providerId="Windows Live" clId="Web-{3233672A-3C22-4931-B31A-E6BEDB37CFE7}" dt="2019-08-14T09:09:32.748" v="23"/>
+          <ac:spMkLst>
+            <pc:docMk/>
+            <pc:sldMk cId="2964537692" sldId="257"/>
+            <ac:spMk id="38" creationId="{9D2E8756-2465-473A-BA2A-2DB1D6224745}"/>
+          </ac:spMkLst>
+        </pc:spChg>
+        <pc:spChg chg="add">
+          <ac:chgData name="Mike Howell" userId="91cad074b2afae1a" providerId="Windows Live" clId="Web-{3233672A-3C22-4931-B31A-E6BEDB37CFE7}" dt="2019-08-14T09:09:32.748" v="23"/>
+          <ac:spMkLst>
+            <pc:docMk/>
+            <pc:sldMk cId="2964537692" sldId="257"/>
+            <ac:spMk id="55" creationId="{27577DEC-D9A5-404D-9789-702F4319BEC8}"/>
+          </ac:spMkLst>
+        </pc:spChg>
+        <pc:grpChg chg="del">
+          <ac:chgData name="Mike Howell" userId="91cad074b2afae1a" providerId="Windows Live" clId="Web-{3233672A-3C22-4931-B31A-E6BEDB37CFE7}" dt="2019-08-14T09:09:32.748" v="23"/>
+          <ac:grpSpMkLst>
+            <pc:docMk/>
+            <pc:sldMk cId="2964537692" sldId="257"/>
+            <ac:grpSpMk id="8" creationId="{76582886-877C-4AEC-A77F-8055EB9A0CF9}"/>
+          </ac:grpSpMkLst>
+        </pc:grpChg>
+        <pc:grpChg chg="add">
+          <ac:chgData name="Mike Howell" userId="91cad074b2afae1a" providerId="Windows Live" clId="Web-{3233672A-3C22-4931-B31A-E6BEDB37CFE7}" dt="2019-08-14T09:09:32.748" v="23"/>
+          <ac:grpSpMkLst>
+            <pc:docMk/>
+            <pc:sldMk cId="2964537692" sldId="257"/>
+            <ac:grpSpMk id="43" creationId="{76582886-877C-4AEC-A77F-8055EB9A0CF9}"/>
+          </ac:grpSpMkLst>
+        </pc:grpChg>
+        <pc:grpChg chg="add">
+          <ac:chgData name="Mike Howell" userId="91cad074b2afae1a" providerId="Windows Live" clId="Web-{3233672A-3C22-4931-B31A-E6BEDB37CFE7}" dt="2019-08-14T09:09:32.748" v="23"/>
+          <ac:grpSpMkLst>
+            <pc:docMk/>
+            <pc:sldMk cId="2964537692" sldId="257"/>
+            <ac:grpSpMk id="57" creationId="{CEEA9366-CEA8-4F23-B065-4337F0D836FE}"/>
+          </ac:grpSpMkLst>
+        </pc:grpChg>
+        <pc:cxnChg chg="del">
+          <ac:chgData name="Mike Howell" userId="91cad074b2afae1a" providerId="Windows Live" clId="Web-{3233672A-3C22-4931-B31A-E6BEDB37CFE7}" dt="2019-08-14T09:09:32.748" v="23"/>
+          <ac:cxnSpMkLst>
+            <pc:docMk/>
+            <pc:sldMk cId="2964537692" sldId="257"/>
+            <ac:cxnSpMk id="22" creationId="{EB898B32-3891-4C3A-8F58-C5969D2E9033}"/>
+          </ac:cxnSpMkLst>
+        </pc:cxnChg>
+        <pc:cxnChg chg="del">
+          <ac:chgData name="Mike Howell" userId="91cad074b2afae1a" providerId="Windows Live" clId="Web-{3233672A-3C22-4931-B31A-E6BEDB37CFE7}" dt="2019-08-14T09:09:32.748" v="23"/>
+          <ac:cxnSpMkLst>
+            <pc:docMk/>
+            <pc:sldMk cId="2964537692" sldId="257"/>
+            <ac:cxnSpMk id="24" creationId="{4AE4806D-B8F9-4679-A68A-9BD21C01A301}"/>
+          </ac:cxnSpMkLst>
+        </pc:cxnChg>
+      </pc:sldChg>
+      <pc:sldChg chg="modNotes">
+        <pc:chgData name="Mike Howell" userId="91cad074b2afae1a" providerId="Windows Live" clId="Web-{3233672A-3C22-4931-B31A-E6BEDB37CFE7}" dt="2019-08-14T09:06:34.717" v="2"/>
+        <pc:sldMkLst>
+          <pc:docMk/>
+          <pc:sldMk cId="2577474333" sldId="261"/>
+        </pc:sldMkLst>
+      </pc:sldChg>
+      <pc:sldChg chg="modSp">
+        <pc:chgData name="Mike Howell" userId="91cad074b2afae1a" providerId="Windows Live" clId="Web-{3233672A-3C22-4931-B31A-E6BEDB37CFE7}" dt="2019-08-14T09:09:00.123" v="21" actId="20577"/>
+        <pc:sldMkLst>
+          <pc:docMk/>
+          <pc:sldMk cId="1062968996" sldId="275"/>
+        </pc:sldMkLst>
+        <pc:spChg chg="mod">
+          <ac:chgData name="Mike Howell" userId="91cad074b2afae1a" providerId="Windows Live" clId="Web-{3233672A-3C22-4931-B31A-E6BEDB37CFE7}" dt="2019-08-14T09:09:00.123" v="21" actId="20577"/>
+          <ac:spMkLst>
+            <pc:docMk/>
+            <pc:sldMk cId="1062968996" sldId="275"/>
+            <ac:spMk id="4" creationId="{EABE866D-469D-48DF-BA20-9B245ACFA7D2}"/>
+          </ac:spMkLst>
+        </pc:spChg>
+      </pc:sldChg>
+    </pc:docChg>
+  </pc:docChgLst>
+</pc:chgInfo>
 </file>
 
 <file path=ppt/notesMasters/notesMaster1.xml><?xml version="1.0" encoding="utf-8"?>
@@ -878,9 +1401,12 @@
           </a:p>
           <a:p>
             <a:r>
-              <a:rPr lang="en-US"/>
+              <a:rPr lang="en-US" dirty="0"/>
               <a:t>Language Understanding service (LUIS) allows your application to understand what a person wants in their own words.</a:t>
             </a:r>
+            <a:endParaRPr lang="en-US" dirty="0">
+              <a:cs typeface="Calibri"/>
+            </a:endParaRPr>
           </a:p>
           <a:p>
             <a:r>
@@ -893,9 +1419,16 @@
           </a:p>
           <a:p>
             <a:r>
-              <a:rPr lang="en-US"/>
-              <a:t>QnA Maker allows you to build a question and answer service from your semi-structured content.</a:t>
+              <a:rPr lang="en-US" dirty="0" err="1"/>
+              <a:t>QnA</a:t>
             </a:r>
+            <a:r>
+              <a:rPr lang="en-US" dirty="0"/>
+              <a:t> Maker allows you to build a question and answer service from your semi-structured content.</a:t>
+            </a:r>
+            <a:endParaRPr lang="en-US" dirty="0">
+              <a:cs typeface="Calibri"/>
+            </a:endParaRPr>
           </a:p>
           <a:p>
             <a:r>
@@ -904,13 +1437,18 @@
               </a:rPr>
               <a:t>Text Analytics</a:t>
             </a:r>
-            <a:endParaRPr lang="en-US"/>
+            <a:endParaRPr lang="en-US">
+              <a:cs typeface="Calibri"/>
+            </a:endParaRPr>
           </a:p>
           <a:p>
             <a:r>
-              <a:rPr lang="en-US"/>
+              <a:rPr lang="en-US" dirty="0"/>
               <a:t>Text Analytics provides natural language processing over raw text for sentiment analysis, key phrase extraction and language detection.</a:t>
             </a:r>
+            <a:endParaRPr lang="en-US" dirty="0">
+              <a:cs typeface="Calibri"/>
+            </a:endParaRPr>
           </a:p>
           <a:p>
             <a:r>
@@ -923,9 +1461,12 @@
           </a:p>
           <a:p>
             <a:r>
-              <a:rPr lang="en-US"/>
+              <a:rPr lang="en-US" dirty="0"/>
               <a:t>Translator text provides for machine-based text translation in near real-time.</a:t>
             </a:r>
+            <a:endParaRPr lang="en-US" dirty="0">
+              <a:cs typeface="Calibri"/>
+            </a:endParaRPr>
           </a:p>
           <a:p>
             <a:r>
@@ -938,9 +1479,12 @@
           </a:p>
           <a:p>
             <a:r>
-              <a:rPr lang="en-US"/>
+              <a:rPr lang="en-US" dirty="0"/>
               <a:t>Video Indexer enables you to extract insights from your video.</a:t>
             </a:r>
+            <a:endParaRPr lang="en-US" dirty="0">
+              <a:cs typeface="Calibri"/>
+            </a:endParaRPr>
           </a:p>
           <a:p>
             <a:endParaRPr lang="en-US" dirty="0">
@@ -1645,7 +2189,7 @@
           <a:p>
             <a:fld id="{0F63F371-54D2-4788-B9D4-1FC9562C29E8}" type="slidenum">
               <a:rPr lang="en-NZ"/>
-              <a:t>‹#›</a:t>
+              <a:t>11</a:t>
             </a:fld>
             <a:endParaRPr lang="en-US"/>
           </a:p>
@@ -1665,7 +2209,7 @@
 </file>
 
 <file path=ppt/slideLayouts/slideLayout1.xml><?xml version="1.0" encoding="utf-8"?>
-<p:sldLayout xmlns:a="http://schemas.openxmlformats.org/drawingml/2006/main" xmlns:r="http://schemas.openxmlformats.org/officeDocument/2006/relationships" xmlns:p="http://schemas.openxmlformats.org/presentationml/2006/main" showMasterSp="0" type="title" preserve="1">
+<p:sldLayout xmlns:a="http://schemas.openxmlformats.org/drawingml/2006/main" xmlns:r="http://schemas.openxmlformats.org/officeDocument/2006/relationships" xmlns:p="http://schemas.openxmlformats.org/presentationml/2006/main" type="title" preserve="1">
   <p:cSld name="Title Slide">
     <p:spTree>
       <p:nvGrpSpPr>
@@ -6195,9 +6739,12 @@
 <p:sldMaster xmlns:a="http://schemas.openxmlformats.org/drawingml/2006/main" xmlns:r="http://schemas.openxmlformats.org/officeDocument/2006/relationships" xmlns:p="http://schemas.openxmlformats.org/presentationml/2006/main">
   <p:cSld>
     <p:bg>
-      <p:bgRef idx="1001">
-        <a:schemeClr val="bg1"/>
-      </p:bgRef>
+      <p:bgPr>
+        <a:solidFill>
+          <a:schemeClr val="bg2"/>
+        </a:solidFill>
+        <a:effectLst/>
+      </p:bgPr>
     </p:bg>
     <p:spTree>
       <p:nvGrpSpPr>
@@ -7385,14 +7932,6 @@
 <file path=ppt/slides/slide1.xml><?xml version="1.0" encoding="utf-8"?>
 <p:sld xmlns:a="http://schemas.openxmlformats.org/drawingml/2006/main" xmlns:r="http://schemas.openxmlformats.org/officeDocument/2006/relationships" xmlns:p="http://schemas.openxmlformats.org/presentationml/2006/main">
   <p:cSld>
-    <p:bg>
-      <p:bgPr>
-        <a:solidFill>
-          <a:schemeClr val="bg1"/>
-        </a:solidFill>
-        <a:effectLst/>
-      </p:bgPr>
-    </p:bg>
     <p:spTree>
       <p:nvGrpSpPr>
         <p:cNvPr id="1" name=""/>
@@ -7503,14 +8042,6 @@
 <file path=ppt/slides/slide10.xml><?xml version="1.0" encoding="utf-8"?>
 <p:sld xmlns:a="http://schemas.openxmlformats.org/drawingml/2006/main" xmlns:r="http://schemas.openxmlformats.org/officeDocument/2006/relationships" xmlns:p="http://schemas.openxmlformats.org/presentationml/2006/main">
   <p:cSld>
-    <p:bg>
-      <p:bgPr>
-        <a:solidFill>
-          <a:schemeClr val="bg2"/>
-        </a:solidFill>
-        <a:effectLst/>
-      </p:bgPr>
-    </p:bg>
     <p:spTree>
       <p:nvGrpSpPr>
         <p:cNvPr id="1" name=""/>
@@ -9154,32 +9685,15 @@
   <p:clrMapOvr>
     <a:overrideClrMapping bg1="dk1" tx1="lt1" bg2="dk2" tx2="lt2" accent1="accent1" accent2="accent2" accent3="accent3" accent4="accent4" accent5="accent5" accent6="accent6" hlink="hlink" folHlink="folHlink"/>
   </p:clrMapOvr>
-  <mc:AlternateContent xmlns:mc="http://schemas.openxmlformats.org/markup-compatibility/2006" xmlns:p14="http://schemas.microsoft.com/office/powerpoint/2010/main">
-    <mc:Choice Requires="p14">
-      <p:transition spd="slow" p14:dur="1500">
-        <p:wipe/>
-      </p:transition>
-    </mc:Choice>
-    <mc:Fallback xmlns="">
-      <p:transition spd="slow">
-        <p:wipe/>
-      </p:transition>
-    </mc:Fallback>
-  </mc:AlternateContent>
+  <p:transition spd="slow">
+    <p:push dir="u"/>
+  </p:transition>
 </p:sld>
 </file>
 
 <file path=ppt/slides/slide11.xml><?xml version="1.0" encoding="utf-8"?>
 <p:sld xmlns:a="http://schemas.openxmlformats.org/drawingml/2006/main" xmlns:r="http://schemas.openxmlformats.org/officeDocument/2006/relationships" xmlns:p="http://schemas.openxmlformats.org/presentationml/2006/main">
   <p:cSld>
-    <p:bg>
-      <p:bgPr>
-        <a:solidFill>
-          <a:schemeClr val="bg2"/>
-        </a:solidFill>
-        <a:effectLst/>
-      </p:bgPr>
-    </p:bg>
     <p:spTree>
       <p:nvGrpSpPr>
         <p:cNvPr id="1" name=""/>
@@ -10705,8 +11219,8 @@
         </p:nvSpPr>
         <p:spPr>
           <a:xfrm>
-            <a:off x="4150291" y="6175332"/>
-            <a:ext cx="7868431" cy="646331"/>
+            <a:off x="3587262" y="6175332"/>
+            <a:ext cx="8596385" cy="369332"/>
           </a:xfrm>
           <a:prstGeom prst="rect">
             <a:avLst/>
@@ -10769,45 +11283,30 @@
                 <a:ea typeface="+mn-lt"/>
                 <a:cs typeface="+mn-lt"/>
               </a:rPr>
-              <a:t>Volpara Solutions – use Custom Vision Service </a:t>
+              <a:t>Volpara Solutions – use Custom Vision Service to assist in cancer detection in mammograms</a:t>
             </a:r>
-            <a:r>
-              <a:rPr lang="en-US" sz="2800">
-                <a:ea typeface="+mn-lt"/>
-                <a:cs typeface="+mn-lt"/>
-              </a:rPr>
-              <a:t>to assist in cancer detection in mammograms</a:t>
-            </a:r>
+          </a:p>
+          <a:p>
             <a:endParaRPr lang="en-US" sz="2800" dirty="0">
               <a:ea typeface="+mn-lt"/>
               <a:cs typeface="+mn-lt"/>
             </a:endParaRPr>
           </a:p>
           <a:p>
-            <a:endParaRPr lang="en-US" sz="2800" dirty="0">
-              <a:ea typeface="+mn-lt"/>
-              <a:cs typeface="+mn-lt"/>
-            </a:endParaRPr>
-          </a:p>
-          <a:p>
+            <a:r>
+              <a:rPr lang="en-US" sz="2800" dirty="0" err="1">
+                <a:ea typeface="+mn-lt"/>
+                <a:cs typeface="+mn-lt"/>
+              </a:rPr>
+              <a:t>FujiFilm</a:t>
+            </a:r>
             <a:r>
               <a:rPr lang="en-US" sz="2800" dirty="0">
                 <a:ea typeface="+mn-lt"/>
                 <a:cs typeface="+mn-lt"/>
               </a:rPr>
-              <a:t>FujiFilm – use Computer Vision to </a:t>
+              <a:t> – use Computer Vision to automatically tag players from NPB game photos </a:t>
             </a:r>
-            <a:r>
-              <a:rPr lang="en-US" sz="2800">
-                <a:ea typeface="+mn-lt"/>
-                <a:cs typeface="+mn-lt"/>
-              </a:rPr>
-              <a:t>automatically tag players from NPB game photos </a:t>
-            </a:r>
-            <a:endParaRPr lang="en-US" sz="2800" dirty="0">
-              <a:ea typeface="+mn-lt"/>
-              <a:cs typeface="+mn-lt"/>
-            </a:endParaRPr>
           </a:p>
           <a:p>
             <a:endParaRPr lang="en-US" sz="2800" dirty="0">
@@ -10821,17 +11320,13 @@
                 <a:ea typeface="+mn-lt"/>
                 <a:cs typeface="+mn-lt"/>
               </a:rPr>
-              <a:t>Tech Mahindra – use the</a:t>
+              <a:t>Tech Mahindra – created a </a:t>
             </a:r>
             <a:r>
               <a:rPr lang="en-US" sz="2800" dirty="0"/>
-              <a:t> Microsfot Bot </a:t>
+              <a:t>digital office assistant</a:t>
             </a:r>
-            <a:r>
-              <a:rPr lang="en-US" sz="2800"/>
-              <a:t>Framework for the digital office assistant</a:t>
-            </a:r>
-            <a:endParaRPr lang="en-US">
+            <a:endParaRPr lang="en-US" dirty="0">
               <a:ea typeface="+mn-lt"/>
               <a:cs typeface="+mn-lt"/>
             </a:endParaRPr>
@@ -10848,19 +11343,8 @@
                 <a:ea typeface="+mn-lt"/>
                 <a:cs typeface="+mn-lt"/>
               </a:rPr>
-              <a:t>AnalogFolk – UK marketing agency used facial </a:t>
+              <a:t>AnalogFolk – UK marketing agency used facial recognition to detect marmite taste gene.</a:t>
             </a:r>
-            <a:r>
-              <a:rPr lang="en-US" sz="2800">
-                <a:ea typeface="+mn-lt"/>
-                <a:cs typeface="+mn-lt"/>
-              </a:rPr>
-              <a:t>recognition to detect marmite taste gene.</a:t>
-            </a:r>
-            <a:endParaRPr lang="en-US" sz="2800" dirty="0">
-              <a:ea typeface="+mn-lt"/>
-              <a:cs typeface="+mn-lt"/>
-            </a:endParaRPr>
           </a:p>
           <a:p>
             <a:endParaRPr lang="en-US" sz="2800" dirty="0">
@@ -10880,32 +11364,15 @@
   <p:clrMapOvr>
     <a:overrideClrMapping bg1="dk1" tx1="lt1" bg2="dk2" tx2="lt2" accent1="accent1" accent2="accent2" accent3="accent3" accent4="accent4" accent5="accent5" accent6="accent6" hlink="hlink" folHlink="folHlink"/>
   </p:clrMapOvr>
-  <mc:AlternateContent xmlns:mc="http://schemas.openxmlformats.org/markup-compatibility/2006">
-    <mc:Choice xmlns:p14="http://schemas.microsoft.com/office/powerpoint/2010/main" Requires="p14">
-      <p:transition spd="slow" p14:dur="1500">
-        <p:wipe/>
-      </p:transition>
-    </mc:Choice>
-    <mc:Fallback>
-      <p:transition spd="slow">
-        <p:wipe/>
-      </p:transition>
-    </mc:Fallback>
-  </mc:AlternateContent>
+  <p:transition spd="slow">
+    <p:push dir="u"/>
+  </p:transition>
 </p:sld>
 </file>
 
 <file path=ppt/slides/slide12.xml><?xml version="1.0" encoding="utf-8"?>
 <p:sld xmlns:a="http://schemas.openxmlformats.org/drawingml/2006/main" xmlns:r="http://schemas.openxmlformats.org/officeDocument/2006/relationships" xmlns:p="http://schemas.openxmlformats.org/presentationml/2006/main">
   <p:cSld>
-    <p:bg>
-      <p:bgPr>
-        <a:solidFill>
-          <a:schemeClr val="bg1"/>
-        </a:solidFill>
-        <a:effectLst/>
-      </p:bgPr>
-    </p:bg>
     <p:spTree>
       <p:nvGrpSpPr>
         <p:cNvPr id="1" name=""/>
@@ -11003,32 +11470,15 @@
   <p:clrMapOvr>
     <a:masterClrMapping/>
   </p:clrMapOvr>
-  <mc:AlternateContent xmlns:mc="http://schemas.openxmlformats.org/markup-compatibility/2006" xmlns:p14="http://schemas.microsoft.com/office/powerpoint/2010/main">
-    <mc:Choice Requires="p14">
-      <p:transition spd="slow" p14:dur="1250">
-        <p:push dir="d"/>
-      </p:transition>
-    </mc:Choice>
-    <mc:Fallback xmlns="">
-      <p:transition spd="slow">
-        <p:push dir="d"/>
-      </p:transition>
-    </mc:Fallback>
-  </mc:AlternateContent>
+  <p:transition spd="slow">
+    <p:push dir="u"/>
+  </p:transition>
 </p:sld>
 </file>
 
 <file path=ppt/slides/slide13.xml><?xml version="1.0" encoding="utf-8"?>
 <p:sld xmlns:a="http://schemas.openxmlformats.org/drawingml/2006/main" xmlns:r="http://schemas.openxmlformats.org/officeDocument/2006/relationships" xmlns:p="http://schemas.openxmlformats.org/presentationml/2006/main">
   <p:cSld>
-    <p:bg>
-      <p:bgPr>
-        <a:solidFill>
-          <a:schemeClr val="bg1"/>
-        </a:solidFill>
-        <a:effectLst/>
-      </p:bgPr>
-    </p:bg>
     <p:spTree>
       <p:nvGrpSpPr>
         <p:cNvPr id="1" name=""/>
@@ -11190,32 +11640,15 @@
   <p:clrMapOvr>
     <a:masterClrMapping/>
   </p:clrMapOvr>
-  <mc:AlternateContent xmlns:mc="http://schemas.openxmlformats.org/markup-compatibility/2006">
-    <mc:Choice xmlns:p14="http://schemas.microsoft.com/office/powerpoint/2010/main" Requires="p14">
-      <p:transition spd="slow" p14:dur="1250">
-        <p:push dir="d"/>
-      </p:transition>
-    </mc:Choice>
-    <mc:Fallback>
-      <p:transition spd="slow">
-        <p:push dir="d"/>
-      </p:transition>
-    </mc:Fallback>
-  </mc:AlternateContent>
+  <p:transition spd="slow">
+    <p:push dir="u"/>
+  </p:transition>
 </p:sld>
 </file>
 
 <file path=ppt/slides/slide14.xml><?xml version="1.0" encoding="utf-8"?>
 <p:sld xmlns:a="http://schemas.openxmlformats.org/drawingml/2006/main" xmlns:r="http://schemas.openxmlformats.org/officeDocument/2006/relationships" xmlns:p="http://schemas.openxmlformats.org/presentationml/2006/main">
   <p:cSld>
-    <p:bg>
-      <p:bgPr>
-        <a:solidFill>
-          <a:schemeClr val="bg1"/>
-        </a:solidFill>
-        <a:effectLst/>
-      </p:bgPr>
-    </p:bg>
     <p:spTree>
       <p:nvGrpSpPr>
         <p:cNvPr id="1" name=""/>
@@ -11329,32 +11762,15 @@
   <p:clrMapOvr>
     <a:masterClrMapping/>
   </p:clrMapOvr>
-  <mc:AlternateContent xmlns:mc="http://schemas.openxmlformats.org/markup-compatibility/2006">
-    <mc:Choice xmlns:p14="http://schemas.microsoft.com/office/powerpoint/2010/main" Requires="p14">
-      <p:transition spd="slow" p14:dur="1250">
-        <p:push dir="d"/>
-      </p:transition>
-    </mc:Choice>
-    <mc:Fallback>
-      <p:transition spd="slow">
-        <p:push dir="d"/>
-      </p:transition>
-    </mc:Fallback>
-  </mc:AlternateContent>
+  <p:transition spd="slow">
+    <p:push dir="u"/>
+  </p:transition>
 </p:sld>
 </file>
 
 <file path=ppt/slides/slide15.xml><?xml version="1.0" encoding="utf-8"?>
 <p:sld xmlns:a="http://schemas.openxmlformats.org/drawingml/2006/main" xmlns:r="http://schemas.openxmlformats.org/officeDocument/2006/relationships" xmlns:p="http://schemas.openxmlformats.org/presentationml/2006/main">
   <p:cSld>
-    <p:bg>
-      <p:bgPr>
-        <a:solidFill>
-          <a:schemeClr val="bg1"/>
-        </a:solidFill>
-        <a:effectLst/>
-      </p:bgPr>
-    </p:bg>
     <p:spTree>
       <p:nvGrpSpPr>
         <p:cNvPr id="1" name=""/>
@@ -11432,7 +11848,7 @@
               </a:spcBef>
             </a:pPr>
             <a:r>
-              <a:rPr lang="en-US" sz="3100" b="1">
+              <a:rPr lang="en-US" sz="3100" b="1" dirty="0">
                 <a:solidFill>
                   <a:schemeClr val="bg1"/>
                 </a:solidFill>
@@ -11442,7 +11858,7 @@
               <a:t>Documentation</a:t>
             </a:r>
             <a:r>
-              <a:rPr lang="en-US" sz="3100">
+              <a:rPr lang="en-US" sz="3100" dirty="0">
                 <a:solidFill>
                   <a:schemeClr val="bg1"/>
                 </a:solidFill>
@@ -11458,15 +11874,21 @@
               </a:rPr>
             </a:br>
             <a:r>
-              <a:rPr lang="en-US" sz="3100">
+              <a:rPr lang="en-US" sz="3100" dirty="0">
                 <a:solidFill>
                   <a:schemeClr val="bg1"/>
                 </a:solidFill>
                 <a:ea typeface="+mj-lt"/>
                 <a:cs typeface="+mj-lt"/>
               </a:rPr>
-              <a:t>• https://docs.microsoft.com/en-us/azure/cognitive-</a:t>
+              <a:t>• https://docs.microsoft.com/en-us/azure/cognitive-services/</a:t>
             </a:r>
+            <a:br>
+              <a:rPr lang="en-US" sz="4000" dirty="0">
+                <a:ea typeface="+mj-lt"/>
+                <a:cs typeface="+mj-lt"/>
+              </a:rPr>
+            </a:br>
             <a:r>
               <a:rPr lang="en-US" sz="3100" dirty="0">
                 <a:solidFill>
@@ -11475,33 +11897,7 @@
                 <a:ea typeface="+mj-lt"/>
                 <a:cs typeface="+mj-lt"/>
               </a:rPr>
-              <a:t>services/</a:t>
-            </a:r>
-            <a:br>
-              <a:rPr lang="en-US" sz="4000" dirty="0">
-                <a:ea typeface="+mj-lt"/>
-                <a:cs typeface="+mj-lt"/>
-              </a:rPr>
-            </a:br>
-            <a:r>
-              <a:rPr lang="en-US" sz="4000" dirty="0">
-                <a:solidFill>
-                  <a:schemeClr val="bg1"/>
-                </a:solidFill>
-                <a:ea typeface="+mj-lt"/>
-                <a:cs typeface="+mj-lt"/>
-              </a:rPr>
-              <a:t>• </a:t>
-            </a:r>
-            <a:r>
-              <a:rPr lang="en-US" sz="3100" dirty="0">
-                <a:solidFill>
-                  <a:schemeClr val="bg1"/>
-                </a:solidFill>
-                <a:ea typeface="+mj-lt"/>
-                <a:cs typeface="+mj-lt"/>
-              </a:rPr>
-              <a:t>https://westus.dev.cognitive.microsoft.com/docs/services/ </a:t>
+              <a:t>• https://westus.dev.cognitive.microsoft.com/docs/services/ </a:t>
             </a:r>
             <a:br>
               <a:rPr lang="en-US" sz="3100" dirty="0">
@@ -11516,7 +11912,7 @@
               </a:rPr>
             </a:br>
             <a:r>
-              <a:rPr lang="en-US" sz="3100" b="1">
+              <a:rPr lang="en-US" sz="3100" b="1" dirty="0">
                 <a:solidFill>
                   <a:schemeClr val="bg1"/>
                 </a:solidFill>
@@ -11538,16 +11934,6 @@
               </a:rPr>
             </a:br>
             <a:r>
-              <a:rPr lang="en-US" sz="3100">
-                <a:solidFill>
-                  <a:schemeClr val="bg1"/>
-                </a:solidFill>
-                <a:ea typeface="+mj-lt"/>
-                <a:cs typeface="+mj-lt"/>
-              </a:rPr>
-              <a:t>• </a:t>
-            </a:r>
-            <a:r>
               <a:rPr lang="en-US" sz="3100" dirty="0">
                 <a:solidFill>
                   <a:schemeClr val="bg1"/>
@@ -11555,7 +11941,7 @@
                 <a:ea typeface="+mj-lt"/>
                 <a:cs typeface="+mj-lt"/>
               </a:rPr>
-              <a:t>https://azure.microsoft.com/en-us/try/cognitive-services/</a:t>
+              <a:t>• https://azure.microsoft.com/en-us/try/cognitive-services/</a:t>
             </a:r>
             <a:br>
               <a:rPr lang="en-US" sz="3100" dirty="0">
@@ -11570,7 +11956,7 @@
               </a:rPr>
             </a:br>
             <a:r>
-              <a:rPr lang="en-US" sz="3100" b="1">
+              <a:rPr lang="en-US" sz="3100" b="1" dirty="0">
                 <a:solidFill>
                   <a:schemeClr val="bg1"/>
                 </a:solidFill>
@@ -11587,7 +11973,7 @@
               </a:spcBef>
             </a:pPr>
             <a:r>
-              <a:rPr lang="en-US" sz="3100">
+              <a:rPr lang="en-US" sz="3100" dirty="0">
                 <a:solidFill>
                   <a:schemeClr val="bg1"/>
                 </a:solidFill>
@@ -11599,7 +11985,7 @@
             <a:br>
               <a:rPr lang="en-US" sz="3600" dirty="0"/>
             </a:br>
-            <a:endParaRPr lang="en-US" sz="3200">
+            <a:endParaRPr lang="en-US" sz="3200" dirty="0">
               <a:solidFill>
                 <a:srgbClr val="FFFFFF"/>
               </a:solidFill>
@@ -11617,32 +12003,15 @@
   <p:clrMapOvr>
     <a:masterClrMapping/>
   </p:clrMapOvr>
-  <mc:AlternateContent xmlns:mc="http://schemas.openxmlformats.org/markup-compatibility/2006">
-    <mc:Choice xmlns:p14="http://schemas.microsoft.com/office/powerpoint/2010/main" Requires="p14">
-      <p:transition spd="slow" p14:dur="1250">
-        <p:push dir="d"/>
-      </p:transition>
-    </mc:Choice>
-    <mc:Fallback>
-      <p:transition spd="slow">
-        <p:push dir="d"/>
-      </p:transition>
-    </mc:Fallback>
-  </mc:AlternateContent>
+  <p:transition spd="slow">
+    <p:push dir="u"/>
+  </p:transition>
 </p:sld>
 </file>
 
 <file path=ppt/slides/slide2.xml><?xml version="1.0" encoding="utf-8"?>
 <p:sld xmlns:a="http://schemas.openxmlformats.org/drawingml/2006/main" xmlns:r="http://schemas.openxmlformats.org/officeDocument/2006/relationships" xmlns:p="http://schemas.openxmlformats.org/presentationml/2006/main">
   <p:cSld>
-    <p:bg>
-      <p:bgPr>
-        <a:solidFill>
-          <a:schemeClr val="bg2"/>
-        </a:solidFill>
-        <a:effectLst/>
-      </p:bgPr>
-    </p:bg>
     <p:spTree>
       <p:nvGrpSpPr>
         <p:cNvPr id="1" name=""/>
@@ -13147,42 +13516,68 @@
           </a:p>
         </p:txBody>
       </p:sp>
+      <p:sp>
+        <p:nvSpPr>
+          <p:cNvPr id="3" name="TextBox 2">
+            <a:extLst>
+              <a:ext uri="{FF2B5EF4-FFF2-40B4-BE49-F238E27FC236}">
+                <a16:creationId xmlns:a16="http://schemas.microsoft.com/office/drawing/2014/main" id="{86EFA0CA-5146-49C1-9C23-806FD8D915B1}"/>
+              </a:ext>
+            </a:extLst>
+          </p:cNvPr>
+          <p:cNvSpPr txBox="1"/>
+          <p:nvPr/>
+        </p:nvSpPr>
+        <p:spPr>
+          <a:xfrm>
+            <a:off x="4150291" y="6175332"/>
+            <a:ext cx="7868431" cy="369332"/>
+          </a:xfrm>
+          <a:prstGeom prst="rect">
+            <a:avLst/>
+          </a:prstGeom>
+          <a:noFill/>
+        </p:spPr>
+        <p:txBody>
+          <a:bodyPr rot="0" spcFirstLastPara="0" vertOverflow="overflow" horzOverflow="overflow" vert="horz" wrap="square" lIns="91440" tIns="45720" rIns="91440" bIns="45720" numCol="1" spcCol="0" rtlCol="0" fromWordArt="0" anchor="t" anchorCtr="0" forceAA="0" compatLnSpc="1">
+            <a:prstTxWarp prst="textNoShape">
+              <a:avLst/>
+            </a:prstTxWarp>
+            <a:spAutoFit/>
+          </a:bodyPr>
+          <a:lstStyle/>
+          <a:p>
+            <a:pPr algn="l"/>
+            <a:r>
+              <a:rPr lang="en-US" dirty="0">
+                <a:ea typeface="+mn-lt"/>
+                <a:cs typeface="+mn-lt"/>
+              </a:rPr>
+              <a:t>https://docs.microsoft.com/en-us/azure/cognitive-services/welcome</a:t>
+            </a:r>
+            <a:endParaRPr lang="en-US" dirty="0"/>
+          </a:p>
+        </p:txBody>
+      </p:sp>
     </p:spTree>
     <p:extLst>
       <p:ext uri="{BB962C8B-B14F-4D97-AF65-F5344CB8AC3E}">
-        <p14:creationId xmlns:p14="http://schemas.microsoft.com/office/powerpoint/2010/main" val="2964537692"/>
+        <p14:creationId xmlns:p14="http://schemas.microsoft.com/office/powerpoint/2010/main" val="2174372669"/>
       </p:ext>
     </p:extLst>
   </p:cSld>
   <p:clrMapOvr>
     <a:overrideClrMapping bg1="dk1" tx1="lt1" bg2="dk2" tx2="lt2" accent1="accent1" accent2="accent2" accent3="accent3" accent4="accent4" accent5="accent5" accent6="accent6" hlink="hlink" folHlink="folHlink"/>
   </p:clrMapOvr>
-  <mc:AlternateContent xmlns:mc="http://schemas.openxmlformats.org/markup-compatibility/2006" xmlns:p14="http://schemas.microsoft.com/office/powerpoint/2010/main">
-    <mc:Choice Requires="p14">
-      <p:transition spd="med" p14:dur="700">
-        <p:fade/>
-      </p:transition>
-    </mc:Choice>
-    <mc:Fallback xmlns="">
-      <p:transition spd="med">
-        <p:fade/>
-      </p:transition>
-    </mc:Fallback>
-  </mc:AlternateContent>
+  <p:transition spd="slow">
+    <p:push dir="u"/>
+  </p:transition>
 </p:sld>
 </file>
 
 <file path=ppt/slides/slide3.xml><?xml version="1.0" encoding="utf-8"?>
 <p:sld xmlns:a="http://schemas.openxmlformats.org/drawingml/2006/main" xmlns:r="http://schemas.openxmlformats.org/officeDocument/2006/relationships" xmlns:p="http://schemas.openxmlformats.org/presentationml/2006/main">
   <p:cSld>
-    <p:bg>
-      <p:bgPr>
-        <a:solidFill>
-          <a:schemeClr val="bg2"/>
-        </a:solidFill>
-        <a:effectLst/>
-      </p:bgPr>
-    </p:bg>
     <p:spTree>
       <p:nvGrpSpPr>
         <p:cNvPr id="1" name=""/>
@@ -14790,39 +15185,22 @@
     </p:spTree>
     <p:extLst>
       <p:ext uri="{BB962C8B-B14F-4D97-AF65-F5344CB8AC3E}">
-        <p14:creationId xmlns:p14="http://schemas.microsoft.com/office/powerpoint/2010/main" val="2174372669"/>
+        <p14:creationId xmlns:p14="http://schemas.microsoft.com/office/powerpoint/2010/main" val="1432795989"/>
       </p:ext>
     </p:extLst>
   </p:cSld>
   <p:clrMapOvr>
     <a:overrideClrMapping bg1="dk1" tx1="lt1" bg2="dk2" tx2="lt2" accent1="accent1" accent2="accent2" accent3="accent3" accent4="accent4" accent5="accent5" accent6="accent6" hlink="hlink" folHlink="folHlink"/>
   </p:clrMapOvr>
-  <mc:AlternateContent xmlns:mc="http://schemas.openxmlformats.org/markup-compatibility/2006" xmlns:p14="http://schemas.microsoft.com/office/powerpoint/2010/main">
-    <mc:Choice Requires="p14">
-      <p:transition spd="med" p14:dur="700">
-        <p:fade/>
-      </p:transition>
-    </mc:Choice>
-    <mc:Fallback xmlns="">
-      <p:transition spd="med">
-        <p:fade/>
-      </p:transition>
-    </mc:Fallback>
-  </mc:AlternateContent>
+  <p:transition spd="slow">
+    <p:push dir="u"/>
+  </p:transition>
 </p:sld>
 </file>
 
 <file path=ppt/slides/slide4.xml><?xml version="1.0" encoding="utf-8"?>
 <p:sld xmlns:a="http://schemas.openxmlformats.org/drawingml/2006/main" xmlns:r="http://schemas.openxmlformats.org/officeDocument/2006/relationships" xmlns:p="http://schemas.openxmlformats.org/presentationml/2006/main">
   <p:cSld>
-    <p:bg>
-      <p:bgPr>
-        <a:solidFill>
-          <a:schemeClr val="bg2"/>
-        </a:solidFill>
-        <a:effectLst/>
-      </p:bgPr>
-    </p:bg>
     <p:spTree>
       <p:nvGrpSpPr>
         <p:cNvPr id="1" name=""/>
@@ -16341,8 +16719,8 @@
         </p:nvSpPr>
         <p:spPr>
           <a:xfrm>
-            <a:off x="4150291" y="6175332"/>
-            <a:ext cx="7868431" cy="646331"/>
+            <a:off x="3435725" y="6175332"/>
+            <a:ext cx="8792788" cy="369332"/>
           </a:xfrm>
           <a:prstGeom prst="rect">
             <a:avLst/>
@@ -16496,32 +16874,15 @@
   <p:clrMapOvr>
     <a:overrideClrMapping bg1="dk1" tx1="lt1" bg2="dk2" tx2="lt2" accent1="accent1" accent2="accent2" accent3="accent3" accent4="accent4" accent5="accent5" accent6="accent6" hlink="hlink" folHlink="folHlink"/>
   </p:clrMapOvr>
-  <mc:AlternateContent xmlns:mc="http://schemas.openxmlformats.org/markup-compatibility/2006" xmlns:p14="http://schemas.microsoft.com/office/powerpoint/2010/main">
-    <mc:Choice Requires="p14">
-      <p:transition spd="med" p14:dur="700">
-        <p:fade/>
-      </p:transition>
-    </mc:Choice>
-    <mc:Fallback xmlns="">
-      <p:transition spd="med">
-        <p:fade/>
-      </p:transition>
-    </mc:Fallback>
-  </mc:AlternateContent>
+  <p:transition spd="slow">
+    <p:push dir="u"/>
+  </p:transition>
 </p:sld>
 </file>
 
 <file path=ppt/slides/slide5.xml><?xml version="1.0" encoding="utf-8"?>
 <p:sld xmlns:a="http://schemas.openxmlformats.org/drawingml/2006/main" xmlns:r="http://schemas.openxmlformats.org/officeDocument/2006/relationships" xmlns:p="http://schemas.openxmlformats.org/presentationml/2006/main">
   <p:cSld>
-    <p:bg>
-      <p:bgPr>
-        <a:solidFill>
-          <a:schemeClr val="bg2"/>
-        </a:solidFill>
-        <a:effectLst/>
-      </p:bgPr>
-    </p:bg>
     <p:spTree>
       <p:nvGrpSpPr>
         <p:cNvPr id="1" name=""/>
@@ -18040,8 +18401,8 @@
         </p:nvSpPr>
         <p:spPr>
           <a:xfrm>
-            <a:off x="4150291" y="6175332"/>
-            <a:ext cx="7868431" cy="646331"/>
+            <a:off x="3229855" y="6223248"/>
+            <a:ext cx="8962145" cy="369332"/>
           </a:xfrm>
           <a:prstGeom prst="rect">
             <a:avLst/>
@@ -18200,32 +18561,15 @@
   <p:clrMapOvr>
     <a:overrideClrMapping bg1="dk1" tx1="lt1" bg2="dk2" tx2="lt2" accent1="accent1" accent2="accent2" accent3="accent3" accent4="accent4" accent5="accent5" accent6="accent6" hlink="hlink" folHlink="folHlink"/>
   </p:clrMapOvr>
-  <mc:AlternateContent xmlns:mc="http://schemas.openxmlformats.org/markup-compatibility/2006" xmlns:p14="http://schemas.microsoft.com/office/powerpoint/2010/main">
-    <mc:Choice Requires="p14">
-      <p:transition spd="med" p14:dur="700">
-        <p:fade/>
-      </p:transition>
-    </mc:Choice>
-    <mc:Fallback xmlns="">
-      <p:transition spd="med">
-        <p:fade/>
-      </p:transition>
-    </mc:Fallback>
-  </mc:AlternateContent>
+  <p:transition spd="slow">
+    <p:push dir="u"/>
+  </p:transition>
 </p:sld>
 </file>
 
 <file path=ppt/slides/slide6.xml><?xml version="1.0" encoding="utf-8"?>
 <p:sld xmlns:a="http://schemas.openxmlformats.org/drawingml/2006/main" xmlns:r="http://schemas.openxmlformats.org/officeDocument/2006/relationships" xmlns:p="http://schemas.openxmlformats.org/presentationml/2006/main">
   <p:cSld>
-    <p:bg>
-      <p:bgPr>
-        <a:solidFill>
-          <a:schemeClr val="bg2"/>
-        </a:solidFill>
-        <a:effectLst/>
-      </p:bgPr>
-    </p:bg>
     <p:spTree>
       <p:nvGrpSpPr>
         <p:cNvPr id="1" name=""/>
@@ -19744,8 +20088,8 @@
         </p:nvSpPr>
         <p:spPr>
           <a:xfrm>
-            <a:off x="4150291" y="6175332"/>
-            <a:ext cx="7868431" cy="646331"/>
+            <a:off x="3259669" y="6175332"/>
+            <a:ext cx="8932332" cy="369332"/>
           </a:xfrm>
           <a:prstGeom prst="rect">
             <a:avLst/>
@@ -19910,32 +20254,15 @@
   <p:clrMapOvr>
     <a:overrideClrMapping bg1="dk1" tx1="lt1" bg2="dk2" tx2="lt2" accent1="accent1" accent2="accent2" accent3="accent3" accent4="accent4" accent5="accent5" accent6="accent6" hlink="hlink" folHlink="folHlink"/>
   </p:clrMapOvr>
-  <mc:AlternateContent xmlns:mc="http://schemas.openxmlformats.org/markup-compatibility/2006" xmlns:p14="http://schemas.microsoft.com/office/powerpoint/2010/main">
-    <mc:Choice Requires="p14">
-      <p:transition spd="med" p14:dur="700">
-        <p:fade/>
-      </p:transition>
-    </mc:Choice>
-    <mc:Fallback xmlns="">
-      <p:transition spd="med">
-        <p:fade/>
-      </p:transition>
-    </mc:Fallback>
-  </mc:AlternateContent>
+  <p:transition spd="slow">
+    <p:push dir="u"/>
+  </p:transition>
 </p:sld>
 </file>
 
 <file path=ppt/slides/slide7.xml><?xml version="1.0" encoding="utf-8"?>
 <p:sld xmlns:a="http://schemas.openxmlformats.org/drawingml/2006/main" xmlns:r="http://schemas.openxmlformats.org/officeDocument/2006/relationships" xmlns:p="http://schemas.openxmlformats.org/presentationml/2006/main">
   <p:cSld>
-    <p:bg>
-      <p:bgPr>
-        <a:solidFill>
-          <a:schemeClr val="bg2"/>
-        </a:solidFill>
-        <a:effectLst/>
-      </p:bgPr>
-    </p:bg>
     <p:spTree>
       <p:nvGrpSpPr>
         <p:cNvPr id="1" name=""/>
@@ -21454,8 +21781,8 @@
         </p:nvSpPr>
         <p:spPr>
           <a:xfrm>
-            <a:off x="4150291" y="6175332"/>
-            <a:ext cx="7868431" cy="646331"/>
+            <a:off x="3435724" y="6175332"/>
+            <a:ext cx="8747923" cy="369332"/>
           </a:xfrm>
           <a:prstGeom prst="rect">
             <a:avLst/>
@@ -21680,32 +22007,15 @@
   <p:clrMapOvr>
     <a:overrideClrMapping bg1="dk1" tx1="lt1" bg2="dk2" tx2="lt2" accent1="accent1" accent2="accent2" accent3="accent3" accent4="accent4" accent5="accent5" accent6="accent6" hlink="hlink" folHlink="folHlink"/>
   </p:clrMapOvr>
-  <mc:AlternateContent xmlns:mc="http://schemas.openxmlformats.org/markup-compatibility/2006" xmlns:p14="http://schemas.microsoft.com/office/powerpoint/2010/main">
-    <mc:Choice Requires="p14">
-      <p:transition spd="med" p14:dur="700">
-        <p:fade/>
-      </p:transition>
-    </mc:Choice>
-    <mc:Fallback xmlns="">
-      <p:transition spd="med">
-        <p:fade/>
-      </p:transition>
-    </mc:Fallback>
-  </mc:AlternateContent>
+  <p:transition spd="slow">
+    <p:push dir="u"/>
+  </p:transition>
 </p:sld>
 </file>
 
 <file path=ppt/slides/slide8.xml><?xml version="1.0" encoding="utf-8"?>
 <p:sld xmlns:a="http://schemas.openxmlformats.org/drawingml/2006/main" xmlns:r="http://schemas.openxmlformats.org/officeDocument/2006/relationships" xmlns:p="http://schemas.openxmlformats.org/presentationml/2006/main">
   <p:cSld>
-    <p:bg>
-      <p:bgPr>
-        <a:solidFill>
-          <a:schemeClr val="bg2"/>
-        </a:solidFill>
-        <a:effectLst/>
-      </p:bgPr>
-    </p:bg>
     <p:spTree>
       <p:nvGrpSpPr>
         <p:cNvPr id="1" name=""/>
@@ -23224,8 +23534,8 @@
         </p:nvSpPr>
         <p:spPr>
           <a:xfrm>
-            <a:off x="4049650" y="6204086"/>
-            <a:ext cx="7969072" cy="646331"/>
+            <a:off x="3207435" y="6204086"/>
+            <a:ext cx="8976212" cy="369332"/>
           </a:xfrm>
           <a:prstGeom prst="rect">
             <a:avLst/>
@@ -23369,32 +23679,15 @@
   <p:clrMapOvr>
     <a:overrideClrMapping bg1="dk1" tx1="lt1" bg2="dk2" tx2="lt2" accent1="accent1" accent2="accent2" accent3="accent3" accent4="accent4" accent5="accent5" accent6="accent6" hlink="hlink" folHlink="folHlink"/>
   </p:clrMapOvr>
-  <mc:AlternateContent xmlns:mc="http://schemas.openxmlformats.org/markup-compatibility/2006" xmlns:p14="http://schemas.microsoft.com/office/powerpoint/2010/main">
-    <mc:Choice Requires="p14">
-      <p:transition spd="med" p14:dur="700">
-        <p:fade/>
-      </p:transition>
-    </mc:Choice>
-    <mc:Fallback xmlns="">
-      <p:transition spd="med">
-        <p:fade/>
-      </p:transition>
-    </mc:Fallback>
-  </mc:AlternateContent>
+  <p:transition spd="slow">
+    <p:push dir="u"/>
+  </p:transition>
 </p:sld>
 </file>
 
 <file path=ppt/slides/slide9.xml><?xml version="1.0" encoding="utf-8"?>
 <p:sld xmlns:a="http://schemas.openxmlformats.org/drawingml/2006/main" xmlns:r="http://schemas.openxmlformats.org/officeDocument/2006/relationships" xmlns:p="http://schemas.openxmlformats.org/presentationml/2006/main">
   <p:cSld>
-    <p:bg>
-      <p:bgPr>
-        <a:solidFill>
-          <a:schemeClr val="bg2"/>
-        </a:solidFill>
-        <a:effectLst/>
-      </p:bgPr>
-    </p:bg>
     <p:spTree>
       <p:nvGrpSpPr>
         <p:cNvPr id="1" name=""/>
@@ -25062,18 +25355,9 @@
   <p:clrMapOvr>
     <a:overrideClrMapping bg1="dk1" tx1="lt1" bg2="dk2" tx2="lt2" accent1="accent1" accent2="accent2" accent3="accent3" accent4="accent4" accent5="accent5" accent6="accent6" hlink="hlink" folHlink="folHlink"/>
   </p:clrMapOvr>
-  <mc:AlternateContent xmlns:mc="http://schemas.openxmlformats.org/markup-compatibility/2006" xmlns:p14="http://schemas.microsoft.com/office/powerpoint/2010/main">
-    <mc:Choice Requires="p14">
-      <p:transition spd="med" p14:dur="700">
-        <p:fade/>
-      </p:transition>
-    </mc:Choice>
-    <mc:Fallback xmlns="">
-      <p:transition spd="med">
-        <p:fade/>
-      </p:transition>
-    </mc:Fallback>
-  </mc:AlternateContent>
+  <p:transition spd="slow">
+    <p:push dir="u"/>
+  </p:transition>
 </p:sld>
 </file>
 
